--- a/Daily Agendas/Day2.3 MotionGraphsReview.pptx
+++ b/Daily Agendas/Day2.3 MotionGraphsReview.pptx
@@ -243,7 +243,7 @@
           <a:p>
             <a:fld id="{DBFDDC6D-30E6-4591-A5D6-EBA4A0A375E4}" type="datetimeFigureOut">
               <a:rPr lang="en-US" smtClean="0"/>
-              <a:t>2/9/2020</a:t>
+              <a:t>2/11/2020</a:t>
             </a:fld>
             <a:endParaRPr lang="en-US"/>
           </a:p>
@@ -413,7 +413,7 @@
           <a:p>
             <a:fld id="{DBFDDC6D-30E6-4591-A5D6-EBA4A0A375E4}" type="datetimeFigureOut">
               <a:rPr lang="en-US" smtClean="0"/>
-              <a:t>2/9/2020</a:t>
+              <a:t>2/11/2020</a:t>
             </a:fld>
             <a:endParaRPr lang="en-US"/>
           </a:p>
@@ -593,7 +593,7 @@
           <a:p>
             <a:fld id="{DBFDDC6D-30E6-4591-A5D6-EBA4A0A375E4}" type="datetimeFigureOut">
               <a:rPr lang="en-US" smtClean="0"/>
-              <a:t>2/9/2020</a:t>
+              <a:t>2/11/2020</a:t>
             </a:fld>
             <a:endParaRPr lang="en-US"/>
           </a:p>
@@ -763,7 +763,7 @@
           <a:p>
             <a:fld id="{DBFDDC6D-30E6-4591-A5D6-EBA4A0A375E4}" type="datetimeFigureOut">
               <a:rPr lang="en-US" smtClean="0"/>
-              <a:t>2/9/2020</a:t>
+              <a:t>2/11/2020</a:t>
             </a:fld>
             <a:endParaRPr lang="en-US"/>
           </a:p>
@@ -1007,7 +1007,7 @@
           <a:p>
             <a:fld id="{DBFDDC6D-30E6-4591-A5D6-EBA4A0A375E4}" type="datetimeFigureOut">
               <a:rPr lang="en-US" smtClean="0"/>
-              <a:t>2/9/2020</a:t>
+              <a:t>2/11/2020</a:t>
             </a:fld>
             <a:endParaRPr lang="en-US"/>
           </a:p>
@@ -1239,7 +1239,7 @@
           <a:p>
             <a:fld id="{DBFDDC6D-30E6-4591-A5D6-EBA4A0A375E4}" type="datetimeFigureOut">
               <a:rPr lang="en-US" smtClean="0"/>
-              <a:t>2/9/2020</a:t>
+              <a:t>2/11/2020</a:t>
             </a:fld>
             <a:endParaRPr lang="en-US"/>
           </a:p>
@@ -1606,7 +1606,7 @@
           <a:p>
             <a:fld id="{DBFDDC6D-30E6-4591-A5D6-EBA4A0A375E4}" type="datetimeFigureOut">
               <a:rPr lang="en-US" smtClean="0"/>
-              <a:t>2/9/2020</a:t>
+              <a:t>2/11/2020</a:t>
             </a:fld>
             <a:endParaRPr lang="en-US"/>
           </a:p>
@@ -1724,7 +1724,7 @@
           <a:p>
             <a:fld id="{DBFDDC6D-30E6-4591-A5D6-EBA4A0A375E4}" type="datetimeFigureOut">
               <a:rPr lang="en-US" smtClean="0"/>
-              <a:t>2/9/2020</a:t>
+              <a:t>2/11/2020</a:t>
             </a:fld>
             <a:endParaRPr lang="en-US"/>
           </a:p>
@@ -1819,7 +1819,7 @@
           <a:p>
             <a:fld id="{DBFDDC6D-30E6-4591-A5D6-EBA4A0A375E4}" type="datetimeFigureOut">
               <a:rPr lang="en-US" smtClean="0"/>
-              <a:t>2/9/2020</a:t>
+              <a:t>2/11/2020</a:t>
             </a:fld>
             <a:endParaRPr lang="en-US"/>
           </a:p>
@@ -2096,7 +2096,7 @@
           <a:p>
             <a:fld id="{DBFDDC6D-30E6-4591-A5D6-EBA4A0A375E4}" type="datetimeFigureOut">
               <a:rPr lang="en-US" smtClean="0"/>
-              <a:t>2/9/2020</a:t>
+              <a:t>2/11/2020</a:t>
             </a:fld>
             <a:endParaRPr lang="en-US"/>
           </a:p>
@@ -2353,7 +2353,7 @@
           <a:p>
             <a:fld id="{DBFDDC6D-30E6-4591-A5D6-EBA4A0A375E4}" type="datetimeFigureOut">
               <a:rPr lang="en-US" smtClean="0"/>
-              <a:t>2/9/2020</a:t>
+              <a:t>2/11/2020</a:t>
             </a:fld>
             <a:endParaRPr lang="en-US"/>
           </a:p>
@@ -2566,7 +2566,7 @@
           <a:p>
             <a:fld id="{DBFDDC6D-30E6-4591-A5D6-EBA4A0A375E4}" type="datetimeFigureOut">
               <a:rPr lang="en-US" smtClean="0"/>
-              <a:t>2/9/2020</a:t>
+              <a:t>2/11/2020</a:t>
             </a:fld>
             <a:endParaRPr lang="en-US"/>
           </a:p>
@@ -3088,8 +3088,20 @@
           <a:p>
             <a:pPr lvl="1"/>
             <a:r>
+              <a:rPr lang="en-CA" dirty="0" smtClean="0"/>
+              <a:t>Wed. </a:t>
+            </a:r>
+            <a:r>
               <a:rPr lang="en-CA" dirty="0"/>
-              <a:t>Mon. Feb. 17: Lab Report Due (Hardcopy &amp; D2L)</a:t>
+              <a:t>Feb. </a:t>
+            </a:r>
+            <a:r>
+              <a:rPr lang="en-CA" smtClean="0"/>
+              <a:t>19: </a:t>
+            </a:r>
+            <a:r>
+              <a:rPr lang="en-CA" dirty="0"/>
+              <a:t>Lab Report Due (Hardcopy &amp; D2L)</a:t>
             </a:r>
             <a:endParaRPr lang="en-US" dirty="0"/>
           </a:p>
